--- a/breakbox/打磚塊20240522(補充).pptx
+++ b/breakbox/打磚塊20240522(補充).pptx
@@ -5,10 +5,10 @@
     <p:sldMasterId id="2147483746" r:id="rId1"/>
   </p:sldMasterIdLst>
   <p:notesMasterIdLst>
-    <p:notesMasterId r:id="rId19"/>
+    <p:notesMasterId r:id="rId20"/>
   </p:notesMasterIdLst>
   <p:handoutMasterIdLst>
-    <p:handoutMasterId r:id="rId20"/>
+    <p:handoutMasterId r:id="rId21"/>
   </p:handoutMasterIdLst>
   <p:sldIdLst>
     <p:sldId id="257" r:id="rId2"/>
@@ -28,6 +28,7 @@
     <p:sldId id="290" r:id="rId16"/>
     <p:sldId id="263" r:id="rId17"/>
     <p:sldId id="294" r:id="rId18"/>
+    <p:sldId id="295" r:id="rId19"/>
   </p:sldIdLst>
   <p:sldSz cx="12192000" cy="6858000"/>
   <p:notesSz cx="6858000" cy="9144000"/>
@@ -13272,6 +13273,341 @@
     <p:extLst>
       <p:ext uri="{BB962C8B-B14F-4D97-AF65-F5344CB8AC3E}">
         <p14:creationId xmlns:p14="http://schemas.microsoft.com/office/powerpoint/2010/main" val="2440867716"/>
+      </p:ext>
+    </p:extLst>
+  </p:cSld>
+  <p:clrMapOvr>
+    <a:masterClrMapping/>
+  </p:clrMapOvr>
+</p:sld>
+</file>
+
+<file path=ppt/slides/slide18.xml><?xml version="1.0" encoding="utf-8"?>
+<p:sld xmlns:a="http://schemas.openxmlformats.org/drawingml/2006/main" xmlns:r="http://schemas.openxmlformats.org/officeDocument/2006/relationships" xmlns:p="http://schemas.openxmlformats.org/presentationml/2006/main">
+  <p:cSld>
+    <p:spTree>
+      <p:nvGrpSpPr>
+        <p:cNvPr id="1" name=""/>
+        <p:cNvGrpSpPr/>
+        <p:nvPr/>
+      </p:nvGrpSpPr>
+      <p:grpSpPr>
+        <a:xfrm>
+          <a:off x="0" y="0"/>
+          <a:ext cx="0" cy="0"/>
+          <a:chOff x="0" y="0"/>
+          <a:chExt cx="0" cy="0"/>
+        </a:xfrm>
+      </p:grpSpPr>
+      <p:sp>
+        <p:nvSpPr>
+          <p:cNvPr id="2" name="標題 1">
+            <a:extLst>
+              <a:ext uri="{FF2B5EF4-FFF2-40B4-BE49-F238E27FC236}">
+                <a16:creationId xmlns:a16="http://schemas.microsoft.com/office/drawing/2014/main" id="{FC829187-1270-4AA5-ACD8-CA61A77B06ED}"/>
+              </a:ext>
+            </a:extLst>
+          </p:cNvPr>
+          <p:cNvSpPr>
+            <a:spLocks noGrp="1"/>
+          </p:cNvSpPr>
+          <p:nvPr>
+            <p:ph type="title"/>
+          </p:nvPr>
+        </p:nvSpPr>
+        <p:spPr/>
+        <p:txBody>
+          <a:bodyPr/>
+          <a:lstStyle/>
+          <a:p>
+            <a:r>
+              <a:rPr lang="zh-TW" altLang="en-US" dirty="0"/>
+              <a:t>修改乒乓注意事項</a:t>
+            </a:r>
+          </a:p>
+        </p:txBody>
+      </p:sp>
+      <p:sp>
+        <p:nvSpPr>
+          <p:cNvPr id="3" name="內容版面配置區 2">
+            <a:extLst>
+              <a:ext uri="{FF2B5EF4-FFF2-40B4-BE49-F238E27FC236}">
+                <a16:creationId xmlns:a16="http://schemas.microsoft.com/office/drawing/2014/main" id="{7DF06C30-CDE8-4E83-9678-F0B3757ED82B}"/>
+              </a:ext>
+            </a:extLst>
+          </p:cNvPr>
+          <p:cNvSpPr>
+            <a:spLocks noGrp="1"/>
+          </p:cNvSpPr>
+          <p:nvPr>
+            <p:ph idx="1"/>
+          </p:nvPr>
+        </p:nvSpPr>
+        <p:spPr>
+          <a:xfrm>
+            <a:off x="1097280" y="2108201"/>
+            <a:ext cx="10058400" cy="3760891"/>
+          </a:xfrm>
+        </p:spPr>
+        <p:txBody>
+          <a:bodyPr>
+            <a:normAutofit/>
+          </a:bodyPr>
+          <a:lstStyle/>
+          <a:p>
+            <a:pPr marL="457200" indent="-457200">
+              <a:buFont typeface="+mj-lt"/>
+              <a:buAutoNum type="arabicPeriod"/>
+            </a:pPr>
+            <a:r>
+              <a:rPr lang="zh-TW" altLang="en-US" dirty="0"/>
+              <a:t>確認玩家是</a:t>
+            </a:r>
+            <a:r>
+              <a:rPr lang="en-US" altLang="zh-TW" dirty="0"/>
+              <a:t>p1 or p2</a:t>
+            </a:r>
+          </a:p>
+          <a:p>
+            <a:pPr marL="457200" indent="-457200">
+              <a:buFont typeface="+mj-lt"/>
+              <a:buAutoNum type="arabicPeriod"/>
+            </a:pPr>
+            <a:r>
+              <a:rPr lang="zh-TW" altLang="en-US" dirty="0"/>
+              <a:t>初始球速是每個影格 </a:t>
+            </a:r>
+            <a:r>
+              <a:rPr lang="en-US" altLang="zh-TW" dirty="0"/>
+              <a:t>(±7, ±7)</a:t>
+            </a:r>
+            <a:r>
+              <a:rPr lang="zh-TW" altLang="en-US" dirty="0"/>
+              <a:t>，發球後每 </a:t>
+            </a:r>
+            <a:r>
+              <a:rPr lang="en-US" altLang="zh-TW" dirty="0"/>
+              <a:t>100 </a:t>
+            </a:r>
+            <a:r>
+              <a:rPr lang="zh-TW" altLang="en-US" dirty="0"/>
+              <a:t>影格增加 </a:t>
+            </a:r>
+            <a:r>
+              <a:rPr lang="en-US" altLang="zh-TW" dirty="0"/>
+              <a:t>1</a:t>
+            </a:r>
+          </a:p>
+          <a:p>
+            <a:pPr marL="457200" indent="-457200">
+              <a:buFont typeface="+mj-lt"/>
+              <a:buAutoNum type="arabicPeriod"/>
+            </a:pPr>
+            <a:r>
+              <a:rPr lang="zh-TW" altLang="en-US" dirty="0"/>
+              <a:t>座標系統 </a:t>
+            </a:r>
+            <a:r>
+              <a:rPr lang="en-US" altLang="zh-TW" dirty="0"/>
+              <a:t>(</a:t>
+            </a:r>
+            <a:r>
+              <a:rPr lang="zh-TW" altLang="en-US" dirty="0"/>
+              <a:t>物件座標皆為左上角座標</a:t>
+            </a:r>
+            <a:r>
+              <a:rPr lang="en-US" altLang="zh-TW" dirty="0"/>
+              <a:t>)</a:t>
+            </a:r>
+          </a:p>
+          <a:p>
+            <a:pPr lvl="3"/>
+            <a:r>
+              <a:rPr lang="zh-TW" altLang="en-US" dirty="0"/>
+              <a:t>螢幕大小 </a:t>
+            </a:r>
+            <a:r>
+              <a:rPr lang="en-US" altLang="zh-TW" dirty="0"/>
+              <a:t>200 x 500</a:t>
+            </a:r>
+          </a:p>
+          <a:p>
+            <a:pPr lvl="3"/>
+            <a:r>
+              <a:rPr lang="zh-TW" altLang="en-US" dirty="0"/>
+              <a:t>板子 </a:t>
+            </a:r>
+            <a:r>
+              <a:rPr lang="en-US" altLang="zh-TW" dirty="0"/>
+              <a:t>40 x 10</a:t>
+            </a:r>
+          </a:p>
+          <a:p>
+            <a:pPr lvl="3"/>
+            <a:r>
+              <a:rPr lang="zh-TW" altLang="en-US" dirty="0"/>
+              <a:t>球 </a:t>
+            </a:r>
+            <a:r>
+              <a:rPr lang="en-US" altLang="zh-TW" dirty="0"/>
+              <a:t>5 x 5</a:t>
+            </a:r>
+          </a:p>
+          <a:p>
+            <a:pPr lvl="3"/>
+            <a:r>
+              <a:rPr lang="zh-TW" altLang="en-US" dirty="0"/>
+              <a:t>障礙物 </a:t>
+            </a:r>
+            <a:r>
+              <a:rPr lang="en-US" altLang="zh-TW" dirty="0"/>
+              <a:t>30 x 20</a:t>
+            </a:r>
+          </a:p>
+          <a:p>
+            <a:pPr marL="457200" indent="-457200">
+              <a:buFont typeface="+mj-lt"/>
+              <a:buAutoNum type="arabicPeriod"/>
+            </a:pPr>
+            <a:r>
+              <a:rPr lang="zh-TW" altLang="en-US" dirty="0"/>
+              <a:t>切球會對球增加</a:t>
+            </a:r>
+            <a:r>
+              <a:rPr lang="en-US" altLang="zh-TW" dirty="0"/>
+              <a:t>”3”</a:t>
+            </a:r>
+          </a:p>
+          <a:p>
+            <a:pPr marL="457200" indent="-457200">
+              <a:buFont typeface="+mj-lt"/>
+              <a:buAutoNum type="arabicPeriod"/>
+            </a:pPr>
+            <a:r>
+              <a:rPr lang="zh-TW" altLang="en-US" dirty="0"/>
+              <a:t>中間會有一個會移動的磚塊</a:t>
+            </a:r>
+            <a:r>
+              <a:rPr lang="en-US" altLang="zh-TW" dirty="0"/>
+              <a:t>(</a:t>
+            </a:r>
+            <a:r>
+              <a:rPr lang="zh-TW" altLang="en-US" dirty="0"/>
+              <a:t>可以定義成兩個敵人</a:t>
+            </a:r>
+            <a:r>
+              <a:rPr lang="en-US" altLang="zh-TW" dirty="0"/>
+              <a:t>)</a:t>
+            </a:r>
+          </a:p>
+          <a:p>
+            <a:pPr marL="457200" indent="-457200">
+              <a:buFont typeface="+mj-lt"/>
+              <a:buAutoNum type="arabicPeriod"/>
+            </a:pPr>
+            <a:endParaRPr lang="en-US" altLang="zh-TW" dirty="0"/>
+          </a:p>
+          <a:p>
+            <a:pPr marL="457200" indent="-457200">
+              <a:buFont typeface="+mj-lt"/>
+              <a:buAutoNum type="arabicPeriod"/>
+            </a:pPr>
+            <a:endParaRPr lang="en-US" altLang="zh-TW" dirty="0"/>
+          </a:p>
+          <a:p>
+            <a:pPr marL="457200" indent="-457200">
+              <a:buFont typeface="+mj-lt"/>
+              <a:buAutoNum type="arabicPeriod"/>
+            </a:pPr>
+            <a:endParaRPr lang="en-US" altLang="zh-TW" dirty="0"/>
+          </a:p>
+          <a:p>
+            <a:pPr marL="457200" indent="-457200">
+              <a:buFont typeface="+mj-lt"/>
+              <a:buAutoNum type="arabicPeriod"/>
+            </a:pPr>
+            <a:endParaRPr lang="en-US" altLang="zh-TW" dirty="0"/>
+          </a:p>
+          <a:p>
+            <a:endParaRPr lang="zh-TW" altLang="en-US" dirty="0"/>
+          </a:p>
+        </p:txBody>
+      </p:sp>
+      <p:sp>
+        <p:nvSpPr>
+          <p:cNvPr id="4" name="日期版面配置區 3">
+            <a:extLst>
+              <a:ext uri="{FF2B5EF4-FFF2-40B4-BE49-F238E27FC236}">
+                <a16:creationId xmlns:a16="http://schemas.microsoft.com/office/drawing/2014/main" id="{1AB88283-75BE-4320-BCA9-FFF584CB399E}"/>
+              </a:ext>
+            </a:extLst>
+          </p:cNvPr>
+          <p:cNvSpPr>
+            <a:spLocks noGrp="1"/>
+          </p:cNvSpPr>
+          <p:nvPr>
+            <p:ph type="dt" sz="half" idx="10"/>
+          </p:nvPr>
+        </p:nvSpPr>
+        <p:spPr/>
+        <p:txBody>
+          <a:bodyPr/>
+          <a:lstStyle/>
+          <a:p>
+            <a:pPr rtl="0"/>
+            <a:fld id="{A55B7815-05FA-48A0-B9F7-1E04C4F2927A}" type="datetime1">
+              <a:rPr lang="zh-TW" altLang="en-US" smtClean="0"/>
+              <a:t>2024/5/22</a:t>
+            </a:fld>
+            <a:endParaRPr lang="en-US" dirty="0"/>
+          </a:p>
+        </p:txBody>
+      </p:sp>
+      <p:cxnSp>
+        <p:nvCxnSpPr>
+          <p:cNvPr id="6" name="接點: 肘形 5">
+            <a:extLst>
+              <a:ext uri="{FF2B5EF4-FFF2-40B4-BE49-F238E27FC236}">
+                <a16:creationId xmlns:a16="http://schemas.microsoft.com/office/drawing/2014/main" id="{2D6CF5FF-FE48-41BC-BE1B-22F6B6AF31B1}"/>
+              </a:ext>
+            </a:extLst>
+          </p:cNvPr>
+          <p:cNvCxnSpPr/>
+          <p:nvPr/>
+        </p:nvCxnSpPr>
+        <p:spPr>
+          <a:xfrm rot="16200000" flipH="1">
+            <a:off x="2969703" y="4412608"/>
+            <a:ext cx="855677" cy="822121"/>
+          </a:xfrm>
+          <a:prstGeom prst="bentConnector3">
+            <a:avLst>
+              <a:gd name="adj1" fmla="val 980"/>
+            </a:avLst>
+          </a:prstGeom>
+          <a:ln>
+            <a:tailEnd type="triangle"/>
+          </a:ln>
+        </p:spPr>
+        <p:style>
+          <a:lnRef idx="1">
+            <a:schemeClr val="accent1"/>
+          </a:lnRef>
+          <a:fillRef idx="0">
+            <a:schemeClr val="accent1"/>
+          </a:fillRef>
+          <a:effectRef idx="0">
+            <a:schemeClr val="accent1"/>
+          </a:effectRef>
+          <a:fontRef idx="minor">
+            <a:schemeClr val="tx1"/>
+          </a:fontRef>
+        </p:style>
+      </p:cxnSp>
+    </p:spTree>
+    <p:extLst>
+      <p:ext uri="{BB962C8B-B14F-4D97-AF65-F5344CB8AC3E}">
+        <p14:creationId xmlns:p14="http://schemas.microsoft.com/office/powerpoint/2010/main" val="126076481"/>
       </p:ext>
     </p:extLst>
   </p:cSld>
